--- a/docs/slides/wk04-2024-02-01.pptx
+++ b/docs/slides/wk04-2024-02-01.pptx
@@ -3525,10 +3525,377 @@
 </p:sld>
 </file>
 
-<file path=ppt/slides/slide14.xml><?xml version="1.0" encoding="UTF-8"?><p:sld xmlns:a="http://schemas.openxmlformats.org/drawingml/2006/main" xmlns:r="http://schemas.openxmlformats.org/officeDocument/2006/relationships" xmlns:p="http://schemas.openxmlformats.org/presentationml/2006/main"><p:cSld><p:spTree><p:nvGrpSpPr><p:cNvPr id="1" name="" /><p:cNvGrpSpPr /><p:nvPr /></p:nvGrpSpPr><p:grpSpPr><a:xfrm><a:off x="0" y="0" /><a:ext cx="0" cy="0" /><a:chOff x="0" y="0" /><a:chExt cx="0" cy="0" /></a:xfrm></p:grpSpPr><p:sp><p:nvSpPr><p:cNvPr id="2" name="Title 1" /><p:cNvSpPr><a:spLocks noGrp="1" /></p:cNvSpPr><p:nvPr><p:ph type="title" /></p:nvPr></p:nvSpPr><p:spPr /><p:txBody><a:bodyPr /><a:lstStyle /><a:p><a:pPr lvl="0" indent="0" marL="0"><a:buNone /></a:pPr><a:r><a:rPr /><a:t>Outward </a:t></a:r><a14:m><m:oMath xmlns:m="http://schemas.openxmlformats.org/officeDocument/2006/math"><m:d><m:dPr><m:begChr m:val="[" /><m:endChr m:val="]" /><m:sepChr m:val="" /><m:grow /></m:dPr><m:e><m:sSup><m:e><m:r><m:t>K</m:t></m:r></m:e><m:sup><m:r><m:rPr><m:sty m:val="p" /></m:rPr><m:t>+</m:t></m:r></m:sup></m:sSup></m:e></m:d></m:oMath></a14:m><a:r><a:rPr /><a:t> flow</a:t></a:r></a:p></p:txBody></p:sp><p:sp><p:nvSpPr><p:cNvPr id="3" name="Content Placeholder 2" /><p:cNvSpPr><a:spLocks noGrp="1" /></p:cNvSpPr><p:nvPr><p:ph idx="1" /></p:nvPr></p:nvSpPr><p:spPr /><p:txBody><a:bodyPr /><a:lstStyle /><a:p><a:pPr lvl="0" /><a:r><a:rPr /><a:t>Down concentration gradient</a:t></a:r></a:p><a:p><a:pPr lvl="0" /><a:r><a:rPr /><a:t>Charges membrane like a capacitor</a:t></a:r></a:p></p:txBody></p:sp><p:pic><p:nvPicPr><p:cNvPr descr="http://hyperphysics.phy-astr.gsu.edu/hbase/electric/imgele/capchg.png" id="0" name="Picture 1" /><p:cNvPicPr><a:picLocks noGrp="1" noChangeAspect="1" /></p:cNvPicPr><p:nvPr /></p:nvPicPr><p:blipFill><a:blip r:embed="rId2" /><a:stretch><a:fillRect /></a:stretch></p:blipFill><p:spPr bwMode="auto"><a:xfrm><a:off x="2387600" y="1193800" /><a:ext cx="4368800" cy="2882900" /></a:xfrm><a:prstGeom prst="rect"><a:avLst /></a:prstGeom><a:noFill /><a:ln w="9525"><a:noFill /><a:headEnd /><a:tailEnd /></a:ln></p:spPr></p:pic><p:sp><p:nvSpPr><p:cNvPr id="1" name="TextBox 3" /><p:cNvSpPr txBox="1" /><p:nvPr /></p:nvSpPr><p:spPr><a:xfrm><a:off x="457200" y="4076700" /><a:ext cx="8229600" cy="508000" /></a:xfrm><a:prstGeom prst="rect"><a:avLst /></a:prstGeom><a:noFill /></p:spPr><p:txBody><a:bodyPr /><a:lstStyle /><a:p><a:pPr lvl="0" indent="0" marL="0" algn="ctr"><a:buNone /></a:pPr><a:r><a:rPr /><a:t>How capacitors work</a:t></a:r></a:p></p:txBody></p:sp></p:spTree></p:cSld></p:sld>
+<file path=ppt/slides/slide14.xml><?xml version="1.0" encoding="utf-8"?>
+<p:sld xmlns:a="http://schemas.openxmlformats.org/drawingml/2006/main" xmlns:r="http://schemas.openxmlformats.org/officeDocument/2006/relationships" xmlns:p="http://schemas.openxmlformats.org/presentationml/2006/main">
+  <p:cSld>
+    <p:spTree>
+      <p:nvGrpSpPr>
+        <p:cNvPr id="1" name=""/>
+        <p:cNvGrpSpPr/>
+        <p:nvPr/>
+      </p:nvGrpSpPr>
+      <p:grpSpPr>
+        <a:xfrm>
+          <a:off x="0" y="0"/>
+          <a:ext cx="0" cy="0"/>
+          <a:chOff x="0" y="0"/>
+          <a:chExt cx="0" cy="0"/>
+        </a:xfrm>
+      </p:grpSpPr>
+      <mc:AlternateContent xmlns:mc="http://schemas.openxmlformats.org/markup-compatibility/2006">
+        <mc:Choice xmlns:a14="http://schemas.microsoft.com/office/drawing/2010/main" Requires="a14">
+          <p:sp>
+            <p:nvSpPr>
+              <p:cNvPr id="2" name="Title 1"/>
+              <p:cNvSpPr>
+                <a:spLocks noGrp="1"/>
+              </p:cNvSpPr>
+              <p:nvPr>
+                <p:ph type="title"/>
+              </p:nvPr>
+            </p:nvSpPr>
+            <p:spPr>
+              <a:xfrm>
+                <a:off x="457201" y="204787"/>
+                <a:ext cx="3008313" cy="871538"/>
+              </a:xfrm>
+            </p:spPr>
+            <p:txBody>
+              <a:bodyPr/>
+              <a:lstStyle/>
+              <a:p>
+                <a:pPr lvl="0" indent="0" marL="0">
+                  <a:buNone/>
+                </a:pPr>
+                <a:r>
+                  <a:rPr/>
+                  <a:t>Outward </a:t>
+                </a:r>
+                <a14:m>
+                  <m:oMath xmlns:m="http://schemas.openxmlformats.org/officeDocument/2006/math">
+                    <m:d>
+                      <m:dPr>
+                        <m:begChr m:val="["/>
+                        <m:endChr m:val="]"/>
+                        <m:sepChr m:val=""/>
+                        <m:grow/>
+                      </m:dPr>
+                      <m:e>
+                        <m:sSup>
+                          <m:e>
+                            <m:r>
+                              <m:t>K</m:t>
+                            </m:r>
+                          </m:e>
+                          <m:sup>
+                            <m:r>
+                              <m:rPr>
+                                <m:sty m:val="p"/>
+                              </m:rPr>
+                              <m:t>+</m:t>
+                            </m:r>
+                          </m:sup>
+                        </m:sSup>
+                      </m:e>
+                    </m:d>
+                  </m:oMath>
+                </a14:m>
+                <a:r>
+                  <a:rPr/>
+                  <a:t> flow</a:t>
+                </a:r>
+              </a:p>
+            </p:txBody>
+          </p:sp>
+        </mc:Choice>
+      </mc:AlternateContent>
+      <p:sp>
+        <p:nvSpPr>
+          <p:cNvPr id="4" name="Text Placeholder 3"/>
+          <p:cNvSpPr>
+            <a:spLocks noGrp="1"/>
+          </p:cNvSpPr>
+          <p:nvPr>
+            <p:ph idx="2" sz="half" type="body"/>
+          </p:nvPr>
+        </p:nvSpPr>
+        <p:spPr/>
+        <p:txBody>
+          <a:bodyPr/>
+          <a:lstStyle/>
+          <a:p>
+            <a:pPr lvl="0"/>
+            <a:r>
+              <a:rPr/>
+              <a:t>Down concentration gradient</a:t>
+            </a:r>
+          </a:p>
+          <a:p>
+            <a:pPr lvl="0"/>
+            <a:r>
+              <a:rPr/>
+              <a:t>Charges membrane like a capacitor</a:t>
+            </a:r>
+          </a:p>
+        </p:txBody>
+      </p:sp>
+      <p:pic>
+        <p:nvPicPr>
+          <p:cNvPr descr="http://hyperphysics.phy-astr.gsu.edu/hbase/electric/imgele/capchg.png" id="0" name="Picture 1"/>
+          <p:cNvPicPr>
+            <a:picLocks noGrp="1" noChangeAspect="1"/>
+          </p:cNvPicPr>
+          <p:nvPr/>
+        </p:nvPicPr>
+        <p:blipFill>
+          <a:blip r:embed="rId2"/>
+          <a:stretch>
+            <a:fillRect/>
+          </a:stretch>
+        </p:blipFill>
+        <p:spPr bwMode="auto">
+          <a:xfrm>
+            <a:off x="3568700" y="457200"/>
+            <a:ext cx="5105400" cy="3378200"/>
+          </a:xfrm>
+          <a:prstGeom prst="rect">
+            <a:avLst/>
+          </a:prstGeom>
+          <a:noFill/>
+          <a:ln w="9525">
+            <a:noFill/>
+            <a:headEnd/>
+            <a:tailEnd/>
+          </a:ln>
+        </p:spPr>
+      </p:pic>
+      <p:sp>
+        <p:nvSpPr>
+          <p:cNvPr id="1" name="TextBox 3"/>
+          <p:cNvSpPr txBox="1"/>
+          <p:nvPr/>
+        </p:nvSpPr>
+        <p:spPr>
+          <a:xfrm>
+            <a:off x="3568700" y="4076700"/>
+            <a:ext cx="5105400" cy="508000"/>
+          </a:xfrm>
+          <a:prstGeom prst="rect">
+            <a:avLst/>
+          </a:prstGeom>
+          <a:noFill/>
+        </p:spPr>
+        <p:txBody>
+          <a:bodyPr/>
+          <a:lstStyle/>
+          <a:p>
+            <a:pPr lvl="0" indent="0" marL="0" algn="ctr">
+              <a:buNone/>
+            </a:pPr>
+            <a:r>
+              <a:rPr/>
+              <a:t>How capacitors work</a:t>
+            </a:r>
+          </a:p>
+        </p:txBody>
+      </p:sp>
+    </p:spTree>
+  </p:cSld>
+</p:sld>
 </file>
 
-<file path=ppt/slides/slide15.xml><?xml version="1.0" encoding="UTF-8"?><p:sld xmlns:a="http://schemas.openxmlformats.org/drawingml/2006/main" xmlns:r="http://schemas.openxmlformats.org/officeDocument/2006/relationships" xmlns:p="http://schemas.openxmlformats.org/presentationml/2006/main"><p:cSld><p:spTree><p:nvGrpSpPr><p:cNvPr id="1" name="" /><p:cNvGrpSpPr /><p:nvPr /></p:nvGrpSpPr><p:grpSpPr><a:xfrm><a:off x="0" y="0" /><a:ext cx="0" cy="0" /><a:chOff x="0" y="0" /><a:chExt cx="0" cy="0" /></a:xfrm></p:grpSpPr><p:sp><p:nvSpPr><p:cNvPr id="2" name="Title 1" /><p:cNvSpPr><a:spLocks noGrp="1" /></p:cNvSpPr><p:nvPr><p:ph type="title" /></p:nvPr></p:nvSpPr><p:spPr /><p:txBody><a:bodyPr /><a:lstStyle /><a:p><a:pPr lvl="0" indent="0" marL="0"><a:buNone /></a:pPr><a:r><a:rPr /><a:t>Small </a:t></a:r><a14:m><m:oMath xmlns:m="http://schemas.openxmlformats.org/officeDocument/2006/math"><m:d><m:dPr><m:begChr m:val="[" /><m:endChr m:val="]" /><m:sepChr m:val="" /><m:grow /></m:dPr><m:e><m:r><m:t>N</m:t></m:r><m:sSup><m:e><m:r><m:t>a</m:t></m:r></m:e><m:sup><m:r><m:rPr><m:sty m:val="p" /></m:rPr><m:t>+</m:t></m:r></m:sup></m:sSup></m:e></m:d></m:oMath></a14:m><a:r><a:rPr /><a:t> flow</a:t></a:r></a:p></p:txBody></p:sp><mc:AlternateContent xmlns:mc="http://schemas.openxmlformats.org/markup-compatibility/2006"><mc:Choice xmlns:a14="http://schemas.microsoft.com/office/drawing/2010/main" Requires="a14"><p:sp><p:nvSpPr><p:cNvPr id="3" name="Content Placeholder 2" /><p:cNvSpPr><a:spLocks noGrp="1" /></p:cNvSpPr><p:nvPr><p:ph idx="1" /></p:nvPr></p:nvSpPr><p:spPr /><p:txBody><a:bodyPr /><a:lstStyle /><a:p><a:pPr lvl="0" /><a:r><a:rPr /><a:t>Channels for </a:t></a:r><a14:m><m:oMath xmlns:m="http://schemas.openxmlformats.org/officeDocument/2006/math"><m:r><m:t>N</m:t></m:r><m:sSup><m:e><m:r><m:t>a</m:t></m:r></m:e><m:sup><m:r><m:rPr><m:sty m:val="p" /></m:rPr><m:t>+</m:t></m:r></m:sup></m:sSup></m:oMath></a14:m><a:r><a:rPr /><a:t> not especially permeable</a:t></a:r></a:p><a:p><a:pPr lvl="0" /><a14:m><m:oMath xmlns:m="http://schemas.openxmlformats.org/officeDocument/2006/math"><m:r><m:t>N</m:t></m:r><m:sSup><m:e><m:r><m:t>a</m:t></m:r></m:e><m:sup><m:r><m:rPr><m:sty m:val="p" /></m:rPr><m:t>+</m:t></m:r></m:sup></m:sSup></m:oMath></a14:m><a:r><a:rPr /><a:t> flows ___________ (Why?)</a:t></a:r></a:p><a:p><a:pPr lvl="0" /><a:r><a:rPr /><a:t>Makes total voltage across (membrane potential) more [positive/negative] (Why?)</a:t></a:r></a:p><a:p><a:pPr lvl="0" /><a:r><a:rPr /><a:t>Membrane potential = </a:t></a:r><a14:m><m:oMath xmlns:m="http://schemas.openxmlformats.org/officeDocument/2006/math"><m:r><m:t>Σ</m:t></m:r></m:oMath></a14:m><a:r><a:rPr /><a:t> of all ion effects</a:t></a:r></a:p></p:txBody></p:sp></mc:Choice></mc:AlternateContent></p:spTree></p:cSld></p:sld>
+<file path=ppt/slides/slide15.xml><?xml version="1.0" encoding="utf-8"?>
+<p:sld xmlns:a="http://schemas.openxmlformats.org/drawingml/2006/main" xmlns:r="http://schemas.openxmlformats.org/officeDocument/2006/relationships" xmlns:p="http://schemas.openxmlformats.org/presentationml/2006/main">
+  <p:cSld>
+    <p:spTree>
+      <p:nvGrpSpPr>
+        <p:cNvPr id="1" name=""/>
+        <p:cNvGrpSpPr/>
+        <p:nvPr/>
+      </p:nvGrpSpPr>
+      <p:grpSpPr>
+        <a:xfrm>
+          <a:off x="0" y="0"/>
+          <a:ext cx="0" cy="0"/>
+          <a:chOff x="0" y="0"/>
+          <a:chExt cx="0" cy="0"/>
+        </a:xfrm>
+      </p:grpSpPr>
+      <mc:AlternateContent xmlns:mc="http://schemas.openxmlformats.org/markup-compatibility/2006">
+        <mc:Choice xmlns:a14="http://schemas.microsoft.com/office/drawing/2010/main" Requires="a14">
+          <p:sp>
+            <p:nvSpPr>
+              <p:cNvPr id="2" name="Title 1"/>
+              <p:cNvSpPr>
+                <a:spLocks noGrp="1"/>
+              </p:cNvSpPr>
+              <p:nvPr>
+                <p:ph type="title"/>
+              </p:nvPr>
+            </p:nvSpPr>
+            <p:spPr/>
+            <p:txBody>
+              <a:bodyPr/>
+              <a:lstStyle/>
+              <a:p>
+                <a:pPr lvl="0" indent="0" marL="0">
+                  <a:buNone/>
+                </a:pPr>
+                <a:r>
+                  <a:rPr/>
+                  <a:t>Small </a:t>
+                </a:r>
+                <a14:m>
+                  <m:oMath xmlns:m="http://schemas.openxmlformats.org/officeDocument/2006/math">
+                    <m:d>
+                      <m:dPr>
+                        <m:begChr m:val="["/>
+                        <m:endChr m:val="]"/>
+                        <m:sepChr m:val=""/>
+                        <m:grow/>
+                      </m:dPr>
+                      <m:e>
+                        <m:r>
+                          <m:t>N</m:t>
+                        </m:r>
+                        <m:sSup>
+                          <m:e>
+                            <m:r>
+                              <m:t>a</m:t>
+                            </m:r>
+                          </m:e>
+                          <m:sup>
+                            <m:r>
+                              <m:rPr>
+                                <m:sty m:val="p"/>
+                              </m:rPr>
+                              <m:t>+</m:t>
+                            </m:r>
+                          </m:sup>
+                        </m:sSup>
+                      </m:e>
+                    </m:d>
+                  </m:oMath>
+                </a14:m>
+                <a:r>
+                  <a:rPr/>
+                  <a:t> flow</a:t>
+                </a:r>
+              </a:p>
+            </p:txBody>
+          </p:sp>
+        </mc:Choice>
+      </mc:AlternateContent>
+      <mc:AlternateContent xmlns:mc="http://schemas.openxmlformats.org/markup-compatibility/2006">
+        <mc:Choice xmlns:a14="http://schemas.microsoft.com/office/drawing/2010/main" Requires="a14">
+          <p:sp>
+            <p:nvSpPr>
+              <p:cNvPr id="3" name="Content Placeholder 2"/>
+              <p:cNvSpPr>
+                <a:spLocks noGrp="1"/>
+              </p:cNvSpPr>
+              <p:nvPr>
+                <p:ph idx="1"/>
+              </p:nvPr>
+            </p:nvSpPr>
+            <p:spPr/>
+            <p:txBody>
+              <a:bodyPr/>
+              <a:lstStyle/>
+              <a:p>
+                <a:pPr lvl="0"/>
+                <a:r>
+                  <a:rPr/>
+                  <a:t>Channels for </a:t>
+                </a:r>
+                <a14:m>
+                  <m:oMath xmlns:m="http://schemas.openxmlformats.org/officeDocument/2006/math">
+                    <m:r>
+                      <m:t>N</m:t>
+                    </m:r>
+                    <m:sSup>
+                      <m:e>
+                        <m:r>
+                          <m:t>a</m:t>
+                        </m:r>
+                      </m:e>
+                      <m:sup>
+                        <m:r>
+                          <m:rPr>
+                            <m:sty m:val="p"/>
+                          </m:rPr>
+                          <m:t>+</m:t>
+                        </m:r>
+                      </m:sup>
+                    </m:sSup>
+                  </m:oMath>
+                </a14:m>
+                <a:r>
+                  <a:rPr/>
+                  <a:t> not especially permeable</a:t>
+                </a:r>
+              </a:p>
+              <a:p>
+                <a:pPr lvl="0"/>
+                <a14:m>
+                  <m:oMath xmlns:m="http://schemas.openxmlformats.org/officeDocument/2006/math">
+                    <m:r>
+                      <m:t>N</m:t>
+                    </m:r>
+                    <m:sSup>
+                      <m:e>
+                        <m:r>
+                          <m:t>a</m:t>
+                        </m:r>
+                      </m:e>
+                      <m:sup>
+                        <m:r>
+                          <m:rPr>
+                            <m:sty m:val="p"/>
+                          </m:rPr>
+                          <m:t>+</m:t>
+                        </m:r>
+                      </m:sup>
+                    </m:sSup>
+                  </m:oMath>
+                </a14:m>
+                <a:r>
+                  <a:rPr/>
+                  <a:t> flows ___________ (Why?)</a:t>
+                </a:r>
+              </a:p>
+              <a:p>
+                <a:pPr lvl="0"/>
+                <a:r>
+                  <a:rPr/>
+                  <a:t>Makes total voltage across (membrane potential) more [positive/negative] (Why?)</a:t>
+                </a:r>
+              </a:p>
+              <a:p>
+                <a:pPr lvl="0"/>
+                <a:r>
+                  <a:rPr/>
+                  <a:t>Membrane potential = </a:t>
+                </a:r>
+                <a14:m>
+                  <m:oMath xmlns:m="http://schemas.openxmlformats.org/officeDocument/2006/math">
+                    <m:r>
+                      <m:t>Σ</m:t>
+                    </m:r>
+                  </m:oMath>
+                </a14:m>
+                <a:r>
+                  <a:rPr/>
+                  <a:t> of all ion effects</a:t>
+                </a:r>
+              </a:p>
+            </p:txBody>
+          </p:sp>
+        </mc:Choice>
+      </mc:AlternateContent>
+    </p:spTree>
+  </p:cSld>
+</p:sld>
 </file>
 
 <file path=ppt/slides/slide16.xml><?xml version="1.0" encoding="utf-8"?>
@@ -4085,8 +4452,8 @@
         </p:blipFill>
         <p:spPr bwMode="auto">
           <a:xfrm>
-            <a:off x="2349500" y="1193800"/>
-            <a:ext cx="4432300" cy="2882900"/>
+            <a:off x="2413000" y="1193800"/>
+            <a:ext cx="4318000" cy="2882900"/>
           </a:xfrm>
           <a:prstGeom prst="rect">
             <a:avLst/>
